--- a/ppt Group 12.pptx
+++ b/ppt Group 12.pptx
@@ -4760,7 +4760,7 @@
         <a:p>
           <a:r>
             <a:rPr lang="en-US" b="1" dirty="0"/>
-            <a:t>Module 1: </a:t>
+            <a:t>Module 2: </a:t>
           </a:r>
           <a:r>
             <a:rPr lang="en-US" dirty="0"/>
@@ -4799,12 +4799,12 @@
         <a:lstStyle/>
         <a:p>
           <a:r>
-            <a:rPr lang="en-US" b="1"/>
+            <a:rPr lang="en-US" b="1" dirty="0"/>
             <a:t>Input: </a:t>
           </a:r>
           <a:r>
-            <a:rPr lang="en-US"/>
-            <a:t>Different soil attributes</a:t>
+            <a:rPr lang="en-US" b="0" dirty="0"/>
+            <a:t>Training Dataset</a:t>
           </a:r>
         </a:p>
       </dgm:t>
@@ -5095,10 +5095,10 @@
         <a:p>
           <a:r>
             <a:rPr lang="en-US" b="1"/>
-            <a:t>Module 1: </a:t>
+            <a:t>Module 3: </a:t>
           </a:r>
           <a:r>
-            <a:rPr lang="en-US"/>
+            <a:rPr lang="en-US" dirty="0"/>
             <a:t>Suggestion of Crop</a:t>
           </a:r>
         </a:p>
@@ -5538,7 +5538,7 @@
         <a:lstStyle/>
         <a:p>
           <a:r>
-            <a:rPr lang="en-US"/>
+            <a:rPr lang="en-US" dirty="0"/>
             <a:t>Instead of relying on one decision tree, the random forest takes the prediction from each tree and based on the majority votes of predictions, and it predicts the final output.</a:t>
           </a:r>
         </a:p>
@@ -6946,7 +6946,7 @@
           </a:pPr>
           <a:r>
             <a:rPr lang="en-US" sz="2500" b="1" kern="1200" dirty="0"/>
-            <a:t>Module 1: </a:t>
+            <a:t>Module 2: </a:t>
           </a:r>
           <a:r>
             <a:rPr lang="en-US" sz="2500" kern="1200" dirty="0"/>
@@ -7100,12 +7100,12 @@
             <a:buNone/>
           </a:pPr>
           <a:r>
-            <a:rPr lang="en-US" sz="2500" b="1" kern="1200"/>
+            <a:rPr lang="en-US" sz="2500" b="1" kern="1200" dirty="0"/>
             <a:t>Input: </a:t>
           </a:r>
           <a:r>
-            <a:rPr lang="en-US" sz="2500" kern="1200"/>
-            <a:t>Different soil attributes</a:t>
+            <a:rPr lang="en-US" sz="2500" b="0" kern="1200" dirty="0"/>
+            <a:t>Training Dataset</a:t>
           </a:r>
         </a:p>
       </dsp:txBody>
@@ -7423,10 +7423,10 @@
           </a:pPr>
           <a:r>
             <a:rPr lang="en-US" sz="2300" b="1" kern="1200"/>
-            <a:t>Module 1: </a:t>
+            <a:t>Module 3: </a:t>
           </a:r>
           <a:r>
-            <a:rPr lang="en-US" sz="2300" kern="1200"/>
+            <a:rPr lang="en-US" sz="2300" kern="1200" dirty="0"/>
             <a:t>Suggestion of Crop</a:t>
           </a:r>
         </a:p>
@@ -8353,7 +8353,7 @@
             <a:buNone/>
           </a:pPr>
           <a:r>
-            <a:rPr lang="en-US" sz="1400" kern="1200"/>
+            <a:rPr lang="en-US" sz="1400" kern="1200" dirty="0"/>
             <a:t>Instead of relying on one decision tree, the random forest takes the prediction from each tree and based on the majority votes of predictions, and it predicts the final output.</a:t>
           </a:r>
         </a:p>
@@ -15187,7 +15187,7 @@
             <a:fld id="{D19CE74E-C2C0-428D-915A-A2C6A19BEFE7}" type="datetimeFigureOut">
               <a:rPr lang="en-US" smtClean="0"/>
               <a:pPr/>
-              <a:t>5/13/2022</a:t>
+              <a:t>5/28/2022</a:t>
             </a:fld>
             <a:endParaRPr lang="en-US"/>
           </a:p>
@@ -15357,7 +15357,7 @@
             <a:fld id="{D19CE74E-C2C0-428D-915A-A2C6A19BEFE7}" type="datetimeFigureOut">
               <a:rPr lang="en-US" smtClean="0"/>
               <a:pPr/>
-              <a:t>5/13/2022</a:t>
+              <a:t>5/28/2022</a:t>
             </a:fld>
             <a:endParaRPr lang="en-US"/>
           </a:p>
@@ -15537,7 +15537,7 @@
             <a:fld id="{D19CE74E-C2C0-428D-915A-A2C6A19BEFE7}" type="datetimeFigureOut">
               <a:rPr lang="en-US" smtClean="0"/>
               <a:pPr/>
-              <a:t>5/13/2022</a:t>
+              <a:t>5/28/2022</a:t>
             </a:fld>
             <a:endParaRPr lang="en-US"/>
           </a:p>
@@ -15707,7 +15707,7 @@
             <a:fld id="{D19CE74E-C2C0-428D-915A-A2C6A19BEFE7}" type="datetimeFigureOut">
               <a:rPr lang="en-US" smtClean="0"/>
               <a:pPr/>
-              <a:t>5/13/2022</a:t>
+              <a:t>5/28/2022</a:t>
             </a:fld>
             <a:endParaRPr lang="en-US"/>
           </a:p>
@@ -15954,7 +15954,7 @@
             <a:fld id="{D19CE74E-C2C0-428D-915A-A2C6A19BEFE7}" type="datetimeFigureOut">
               <a:rPr lang="en-US" smtClean="0"/>
               <a:pPr/>
-              <a:t>5/13/2022</a:t>
+              <a:t>5/28/2022</a:t>
             </a:fld>
             <a:endParaRPr lang="en-US"/>
           </a:p>
@@ -16241,7 +16241,7 @@
             <a:fld id="{D19CE74E-C2C0-428D-915A-A2C6A19BEFE7}" type="datetimeFigureOut">
               <a:rPr lang="en-US" smtClean="0"/>
               <a:pPr/>
-              <a:t>5/13/2022</a:t>
+              <a:t>5/28/2022</a:t>
             </a:fld>
             <a:endParaRPr lang="en-US"/>
           </a:p>
@@ -16662,7 +16662,7 @@
             <a:fld id="{D19CE74E-C2C0-428D-915A-A2C6A19BEFE7}" type="datetimeFigureOut">
               <a:rPr lang="en-US" smtClean="0"/>
               <a:pPr/>
-              <a:t>5/13/2022</a:t>
+              <a:t>5/28/2022</a:t>
             </a:fld>
             <a:endParaRPr lang="en-US"/>
           </a:p>
@@ -16781,7 +16781,7 @@
             <a:fld id="{D19CE74E-C2C0-428D-915A-A2C6A19BEFE7}" type="datetimeFigureOut">
               <a:rPr lang="en-US" smtClean="0"/>
               <a:pPr/>
-              <a:t>5/13/2022</a:t>
+              <a:t>5/28/2022</a:t>
             </a:fld>
             <a:endParaRPr lang="en-US"/>
           </a:p>
@@ -16878,7 +16878,7 @@
             <a:fld id="{D19CE74E-C2C0-428D-915A-A2C6A19BEFE7}" type="datetimeFigureOut">
               <a:rPr lang="en-US" smtClean="0"/>
               <a:pPr/>
-              <a:t>5/13/2022</a:t>
+              <a:t>5/28/2022</a:t>
             </a:fld>
             <a:endParaRPr lang="en-US"/>
           </a:p>
@@ -17155,7 +17155,7 @@
             <a:fld id="{D19CE74E-C2C0-428D-915A-A2C6A19BEFE7}" type="datetimeFigureOut">
               <a:rPr lang="en-US" smtClean="0"/>
               <a:pPr/>
-              <a:t>5/13/2022</a:t>
+              <a:t>5/28/2022</a:t>
             </a:fld>
             <a:endParaRPr lang="en-US"/>
           </a:p>
@@ -17409,7 +17409,7 @@
             <a:fld id="{D19CE74E-C2C0-428D-915A-A2C6A19BEFE7}" type="datetimeFigureOut">
               <a:rPr lang="en-US" smtClean="0"/>
               <a:pPr/>
-              <a:t>5/13/2022</a:t>
+              <a:t>5/28/2022</a:t>
             </a:fld>
             <a:endParaRPr lang="en-US"/>
           </a:p>
@@ -17622,7 +17622,7 @@
             <a:fld id="{D19CE74E-C2C0-428D-915A-A2C6A19BEFE7}" type="datetimeFigureOut">
               <a:rPr lang="en-US" smtClean="0"/>
               <a:pPr/>
-              <a:t>5/13/2022</a:t>
+              <a:t>5/28/2022</a:t>
             </a:fld>
             <a:endParaRPr lang="en-US"/>
           </a:p>
@@ -18552,7 +18552,7 @@
               </a:spcBef>
             </a:pPr>
             <a:r>
-              <a:rPr lang="en-US" sz="2800" kern="1200">
+              <a:rPr lang="en-US" sz="2800" kern="1200" dirty="0">
                 <a:solidFill>
                   <a:schemeClr val="tx1"/>
                 </a:solidFill>
@@ -18573,7 +18573,7 @@
               </a:spcBef>
             </a:pPr>
             <a:r>
-              <a:rPr lang="en-US" sz="2800" kern="1200">
+              <a:rPr lang="en-US" sz="2800" kern="1200" dirty="0">
                 <a:solidFill>
                   <a:schemeClr val="tx1"/>
                 </a:solidFill>
@@ -18594,7 +18594,7 @@
               </a:spcBef>
             </a:pPr>
             <a:r>
-              <a:rPr lang="en-US" sz="2800" kern="1200">
+              <a:rPr lang="en-US" sz="2800" kern="1200" dirty="0">
                 <a:solidFill>
                   <a:schemeClr val="tx1"/>
                 </a:solidFill>
@@ -18615,7 +18615,7 @@
               </a:spcBef>
             </a:pPr>
             <a:r>
-              <a:rPr lang="en-US" sz="2800" kern="1200">
+              <a:rPr lang="en-US" sz="2800" kern="1200" dirty="0">
                 <a:solidFill>
                   <a:schemeClr val="tx1"/>
                 </a:solidFill>
@@ -22109,7 +22109,7 @@
               </a:lnSpc>
             </a:pPr>
             <a:r>
-              <a:rPr lang="en-US" b="1" kern="1200">
+              <a:rPr lang="en-US" b="1" kern="1200" dirty="0">
                 <a:solidFill>
                   <a:schemeClr val="tx1"/>
                 </a:solidFill>
@@ -23453,7 +23453,7 @@
           <p:nvPr>
             <p:extLst>
               <p:ext uri="{D42A27DB-BD31-4B8C-83A1-F6EECF244321}">
-                <p14:modId xmlns:p14="http://schemas.microsoft.com/office/powerpoint/2010/main" val="789680743"/>
+                <p14:modId xmlns:p14="http://schemas.microsoft.com/office/powerpoint/2010/main" val="1413430256"/>
               </p:ext>
             </p:extLst>
           </p:nvPr>
@@ -25003,7 +25003,7 @@
           <p:nvPr>
             <p:extLst>
               <p:ext uri="{D42A27DB-BD31-4B8C-83A1-F6EECF244321}">
-                <p14:modId xmlns:p14="http://schemas.microsoft.com/office/powerpoint/2010/main" val="997298832"/>
+                <p14:modId xmlns:p14="http://schemas.microsoft.com/office/powerpoint/2010/main" val="3962508530"/>
               </p:ext>
             </p:extLst>
           </p:nvPr>
@@ -25138,15 +25138,13 @@
             </a:r>
           </a:p>
           <a:p>
-            <a:pPr marL="285750" indent="-228600">
+            <a:pPr marL="57150">
               <a:lnSpc>
                 <a:spcPct val="90000"/>
               </a:lnSpc>
               <a:spcAft>
                 <a:spcPts val="600"/>
               </a:spcAft>
-              <a:buFont typeface="Arial" panose="020B0604020202020204" pitchFamily="34" charset="0"/>
-              <a:buChar char="•"/>
             </a:pPr>
             <a:endParaRPr lang="en-US" sz="2100" b="1" dirty="0"/>
           </a:p>
@@ -28380,7 +28378,7 @@
               <a:buChar char="•"/>
             </a:pPr>
             <a:r>
-              <a:rPr lang="en-US" sz="1600" b="1"/>
+              <a:rPr lang="en-US" sz="1600" b="1" dirty="0"/>
               <a:t>Guided By</a:t>
             </a:r>
           </a:p>
@@ -28396,9 +28394,14 @@
               <a:buChar char="•"/>
             </a:pPr>
             <a:r>
-              <a:rPr lang="en-US" sz="1600" b="1"/>
-              <a:t>-Prof. A. H. Hingmire</a:t>
+              <a:rPr lang="en-US" sz="1600" b="1" dirty="0"/>
+              <a:t>-Prof. A. H. </a:t>
             </a:r>
+            <a:r>
+              <a:rPr lang="en-US" sz="1600" b="1" dirty="0" err="1"/>
+              <a:t>Hingmire</a:t>
+            </a:r>
+            <a:endParaRPr lang="en-US" sz="1600" b="1" dirty="0"/>
           </a:p>
         </p:txBody>
       </p:sp>
@@ -28411,7 +28414,7 @@
           <p:nvPr>
             <p:extLst>
               <p:ext uri="{D42A27DB-BD31-4B8C-83A1-F6EECF244321}">
-                <p14:modId xmlns:p14="http://schemas.microsoft.com/office/powerpoint/2010/main" val="1765062416"/>
+                <p14:modId xmlns:p14="http://schemas.microsoft.com/office/powerpoint/2010/main" val="1390372031"/>
               </p:ext>
             </p:extLst>
           </p:nvPr>
@@ -28482,8 +28485,8 @@
                     <a:lstStyle/>
                     <a:p>
                       <a:r>
-                        <a:rPr lang="en-US" sz="2700"/>
-                        <a:t>T150374226</a:t>
+                        <a:rPr lang="en-US" sz="2700" dirty="0"/>
+                        <a:t>B150374226</a:t>
                       </a:r>
                     </a:p>
                   </a:txBody>
@@ -28520,8 +28523,8 @@
                     <a:lstStyle/>
                     <a:p>
                       <a:r>
-                        <a:rPr lang="en-US" sz="2700"/>
-                        <a:t>T150374219</a:t>
+                        <a:rPr lang="en-US" sz="2700" dirty="0"/>
+                        <a:t>B150374219</a:t>
                       </a:r>
                     </a:p>
                   </a:txBody>
@@ -28553,8 +28556,8 @@
                     <a:lstStyle/>
                     <a:p>
                       <a:r>
-                        <a:rPr lang="en-US" sz="2700"/>
-                        <a:t>T150374210</a:t>
+                        <a:rPr lang="en-US" sz="2700" dirty="0"/>
+                        <a:t>B150374210</a:t>
                       </a:r>
                     </a:p>
                   </a:txBody>
@@ -28591,8 +28594,8 @@
                     <a:lstStyle/>
                     <a:p>
                       <a:r>
-                        <a:rPr lang="en-US" sz="2700"/>
-                        <a:t>T150374253</a:t>
+                        <a:rPr lang="en-US" sz="2700" dirty="0"/>
+                        <a:t>B150374253</a:t>
                       </a:r>
                     </a:p>
                   </a:txBody>
@@ -28604,7 +28607,7 @@
                     <a:lstStyle/>
                     <a:p>
                       <a:r>
-                        <a:rPr lang="en-US" sz="2700"/>
+                        <a:rPr lang="en-US" sz="2700" dirty="0"/>
                         <a:t>Tushar Pangare</a:t>
                       </a:r>
                     </a:p>
@@ -30576,7 +30579,7 @@
               </a:lnSpc>
             </a:pPr>
             <a:r>
-              <a:rPr lang="en-US" sz="2400" b="1" kern="1200">
+              <a:rPr lang="en-US" sz="2400" b="1" kern="1200" dirty="0">
                 <a:solidFill>
                   <a:schemeClr val="tx1"/>
                 </a:solidFill>
@@ -30587,7 +30590,7 @@
               <a:t>Introduction</a:t>
             </a:r>
             <a:br>
-              <a:rPr lang="en-US" sz="1600" b="1" kern="1200">
+              <a:rPr lang="en-US" sz="1600" b="1" kern="1200" dirty="0">
                 <a:solidFill>
                   <a:schemeClr val="tx1"/>
                 </a:solidFill>
@@ -30597,7 +30600,7 @@
               </a:rPr>
             </a:br>
             <a:br>
-              <a:rPr lang="en-US" sz="1600" b="1" kern="1200">
+              <a:rPr lang="en-US" sz="1600" b="1" kern="1200" dirty="0">
                 <a:solidFill>
                   <a:schemeClr val="tx1"/>
                 </a:solidFill>
@@ -30607,7 +30610,7 @@
               </a:rPr>
             </a:br>
             <a:r>
-              <a:rPr lang="en-US" sz="2000" kern="1200">
+              <a:rPr lang="en-US" sz="2000" kern="1200" dirty="0">
                 <a:solidFill>
                   <a:schemeClr val="tx1"/>
                 </a:solidFill>
@@ -30615,21 +30618,21 @@
               <a:t>Weather plays an important role in agriculture production. For optimal productivity crops must be such that their weather requirement match the current weather system. So we need to plan them according to the weather conditions and soil fertility. </a:t>
             </a:r>
             <a:br>
-              <a:rPr lang="en-US" sz="2000" kern="1200">
+              <a:rPr lang="en-US" sz="2000" kern="1200" dirty="0">
                 <a:solidFill>
                   <a:schemeClr val="tx1"/>
                 </a:solidFill>
               </a:rPr>
             </a:br>
             <a:br>
-              <a:rPr lang="en-US" sz="2000" b="1" kern="1200">
+              <a:rPr lang="en-US" sz="2000" b="1" kern="1200" dirty="0">
                 <a:solidFill>
                   <a:schemeClr val="tx1"/>
                 </a:solidFill>
               </a:rPr>
             </a:br>
             <a:r>
-              <a:rPr lang="en-US" sz="2000" kern="1200">
+              <a:rPr lang="en-US" sz="2000" kern="1200" dirty="0">
                 <a:solidFill>
                   <a:schemeClr val="tx1"/>
                 </a:solidFill>
@@ -30637,21 +30640,21 @@
               <a:t>This is a prototype for a crop recommendation algorithm in Python using Machine Learning and Data Analytics. This work presents a system, in form of a website. The business logic in Python uses Machine Learning techniques in order to predict the most profitable crop in the forecasted weather and soil conditions.</a:t>
             </a:r>
             <a:br>
-              <a:rPr lang="en-US" sz="2000" kern="1200">
+              <a:rPr lang="en-US" sz="2000" kern="1200" dirty="0">
                 <a:solidFill>
                   <a:schemeClr val="tx1"/>
                 </a:solidFill>
               </a:rPr>
             </a:br>
             <a:br>
-              <a:rPr lang="en-US" sz="2000" kern="1200">
+              <a:rPr lang="en-US" sz="2000" kern="1200" dirty="0">
                 <a:solidFill>
                   <a:schemeClr val="tx1"/>
                 </a:solidFill>
               </a:rPr>
             </a:br>
             <a:r>
-              <a:rPr lang="en-US" sz="2000" kern="1200">
+              <a:rPr lang="en-US" sz="2000" kern="1200" dirty="0">
                 <a:solidFill>
                   <a:schemeClr val="tx1"/>
                 </a:solidFill>
@@ -30659,18 +30662,18 @@
               <a:t> The proposed system will provide a suitable crop for particular soil and weather conditions</a:t>
             </a:r>
             <a:r>
-              <a:rPr lang="en-US" sz="2000"/>
+              <a:rPr lang="en-US" sz="2000" dirty="0"/>
               <a:t>. </a:t>
             </a:r>
             <a:br>
-              <a:rPr lang="en-US" sz="2000" b="1" kern="1200">
+              <a:rPr lang="en-US" sz="2000" b="1" kern="1200" dirty="0">
                 <a:solidFill>
                   <a:schemeClr val="tx1"/>
                 </a:solidFill>
               </a:rPr>
             </a:br>
             <a:br>
-              <a:rPr lang="en-US" sz="1600" b="1" kern="1200">
+              <a:rPr lang="en-US" sz="1600" b="1" kern="1200" dirty="0">
                 <a:solidFill>
                   <a:schemeClr val="tx1"/>
                 </a:solidFill>
@@ -32257,34 +32260,22 @@
                         <a:buNone/>
                       </a:pPr>
                       <a:r>
-                        <a:rPr lang="en-US" sz="1400" b="0" i="0" u="none" strike="noStrike" kern="1200" baseline="0" noProof="0"/>
+                        <a:rPr lang="en-US" sz="1400" b="0" i="0" u="none" strike="noStrike" kern="1200" baseline="0" noProof="0" dirty="0"/>
                         <a:t>The prediction accuracy of the model accounts to 88%. </a:t>
                       </a:r>
-                      <a:endParaRPr lang="en-US"/>
+                      <a:endParaRPr lang="en-US" dirty="0"/>
                     </a:p>
                     <a:p>
                       <a:pPr lvl="0" algn="just">
                         <a:buNone/>
                       </a:pPr>
                       <a:r>
-                        <a:rPr lang="en-US" sz="1400" b="0" i="0" u="none" strike="noStrike" kern="1200" baseline="0" noProof="0">
+                        <a:rPr lang="en-US" sz="1400" b="0" i="0" u="none" strike="noStrike" kern="1200" baseline="0" noProof="0" dirty="0">
                           <a:latin typeface="Calibri"/>
                         </a:rPr>
-                        <a:t>Thus the </a:t>
+                        <a:t>Thus the farmer’s can plant the right crop increasing his yield and also increasing the overall productivity of the nation</a:t>
                       </a:r>
-                      <a:r>
-                        <a:rPr lang="en-US" sz="1400" b="0" i="0" u="none" strike="noStrike" kern="1200" baseline="0" noProof="0" err="1">
-                          <a:latin typeface="Calibri"/>
-                        </a:rPr>
-                        <a:t>farmer’s</a:t>
-                      </a:r>
-                      <a:r>
-                        <a:rPr lang="en-US" sz="1400" b="0" i="0" u="none" strike="noStrike" kern="1200" baseline="0" noProof="0">
-                          <a:latin typeface="Calibri"/>
-                        </a:rPr>
-                        <a:t> can plant the right crop increasing his yield and also increasing the overall productivity of the nation</a:t>
-                      </a:r>
-                      <a:endParaRPr lang="en-US"/>
+                      <a:endParaRPr lang="en-US" dirty="0"/>
                     </a:p>
                   </a:txBody>
                   <a:tcPr/>
@@ -32335,10 +32326,10 @@
                         <a:buNone/>
                       </a:pPr>
                       <a:r>
-                        <a:rPr lang="en-US" b="0" i="0"/>
+                        <a:rPr lang="en-US" b="0" i="0" dirty="0"/>
                         <a:t>Recommendation of Crop, Fertilizers and Crop Disease Detection System</a:t>
                       </a:r>
-                      <a:endParaRPr lang="en-US"/>
+                      <a:endParaRPr lang="en-US" dirty="0"/>
                     </a:p>
                     <a:p>
                       <a:pPr lvl="0" algn="l">
@@ -32353,7 +32344,7 @@
                         </a:spcAft>
                         <a:buNone/>
                       </a:pPr>
-                      <a:endParaRPr lang="en-US" b="0" i="0"/>
+                      <a:endParaRPr lang="en-US" b="0" i="0" dirty="0"/>
                     </a:p>
                     <a:p>
                       <a:pPr lvl="0" algn="l">
@@ -32369,15 +32360,16 @@
                         <a:buNone/>
                       </a:pPr>
                       <a:r>
-                        <a:rPr lang="en-US" b="0" i="0"/>
+                        <a:rPr lang="en-US" b="0" i="0" dirty="0" err="1"/>
                         <a:t>S.N.Uke</a:t>
                       </a:r>
+                      <a:endParaRPr lang="en-US" b="0" i="0" dirty="0"/>
                     </a:p>
                     <a:p>
                       <a:pPr lvl="0" algn="just">
                         <a:buNone/>
                       </a:pPr>
-                      <a:endParaRPr lang="en-US" sz="1400" b="1" i="0" u="none" strike="noStrike" kern="1200" baseline="0">
+                      <a:endParaRPr lang="en-US" sz="1400" b="1" i="0" u="none" strike="noStrike" kern="1200" baseline="0" dirty="0">
                         <a:solidFill>
                           <a:schemeClr val="dk1"/>
                         </a:solidFill>
@@ -32406,7 +32398,7 @@
                         </a:spcAft>
                         <a:buNone/>
                       </a:pPr>
-                      <a:endParaRPr lang="en-US" sz="1400" b="1" i="0" u="sng" strike="noStrike" noProof="0"/>
+                      <a:endParaRPr lang="en-US" sz="1400" b="1" i="0" u="sng" strike="noStrike" noProof="0" dirty="0"/>
                     </a:p>
                     <a:p>
                       <a:pPr lvl="0" algn="l">
@@ -32422,13 +32414,13 @@
                         <a:buNone/>
                       </a:pPr>
                       <a:r>
-                        <a:rPr lang="en-US"/>
+                        <a:rPr lang="en-US" dirty="0"/>
                         <a:t>2018</a:t>
                       </a:r>
                       <a:br>
-                        <a:rPr lang="en-US"/>
+                        <a:rPr lang="en-US" dirty="0"/>
                       </a:br>
-                      <a:endParaRPr lang="en-US"/>
+                      <a:endParaRPr lang="en-US" dirty="0"/>
                     </a:p>
                     <a:p>
                       <a:pPr lvl="0" algn="just" defTabSz="914400">
@@ -32436,7 +32428,7 @@
                         <a:tabLst/>
                         <a:defRPr/>
                       </a:pPr>
-                      <a:endParaRPr lang="en-US" sz="1400" b="0">
+                      <a:endParaRPr lang="en-US" sz="1400" b="0" dirty="0">
                         <a:latin typeface="Times New Roman"/>
                         <a:cs typeface="Times New Roman"/>
                       </a:endParaRPr>
@@ -32663,7 +32655,7 @@
             <p:ph idx="1"/>
             <p:extLst>
               <p:ext uri="{D42A27DB-BD31-4B8C-83A1-F6EECF244321}">
-                <p14:modId xmlns:p14="http://schemas.microsoft.com/office/powerpoint/2010/main" val="2768348062"/>
+                <p14:modId xmlns:p14="http://schemas.microsoft.com/office/powerpoint/2010/main" val="4220215561"/>
               </p:ext>
             </p:extLst>
           </p:nvPr>
@@ -33005,10 +32997,9 @@
                         <a:buNone/>
                       </a:pPr>
                       <a:r>
-                        <a:rPr lang="en-US" sz="1400" b="0" i="0" u="none" strike="noStrike" noProof="0"/>
+                        <a:rPr lang="en-US" sz="1400" b="0" i="0" u="none" strike="noStrike" noProof="0" dirty="0"/>
                         <a:t>2019</a:t>
                       </a:r>
-                      <a:endParaRPr lang="en-US" sz="1400" b="0" i="0" u="none" strike="noStrike" noProof="0" dirty="0"/>
                     </a:p>
                   </a:txBody>
                   <a:tcPr/>
@@ -33139,7 +33130,7 @@
                       </a:pPr>
                       <a:r>
                         <a:rPr lang="en-US" sz="1400" b="0" i="0" u="none" strike="noStrike" kern="1200" baseline="0" noProof="0" dirty="0"/>
-                        <a:t>Our work would help farmers to increase productivity in</a:t>
+                        <a:t>In their work would help farmers to increase productivity in</a:t>
                       </a:r>
                       <a:endParaRPr lang="en-US" dirty="0"/>
                     </a:p>
@@ -33215,55 +33206,76 @@
                         <a:buNone/>
                       </a:pPr>
                       <a:r>
-                        <a:rPr lang="en-US" sz="1400" b="0" i="0" u="none" strike="noStrike" kern="1200" baseline="0" noProof="0"/>
+                        <a:rPr lang="en-US" sz="1400" b="0" i="0" u="none" strike="noStrike" kern="1200" baseline="0" noProof="0" dirty="0"/>
                         <a:t>Agricultural recommendation system for crop</a:t>
                       </a:r>
-                      <a:endParaRPr lang="en-US"/>
+                      <a:endParaRPr lang="en-US" dirty="0"/>
                     </a:p>
                     <a:p>
                       <a:pPr lvl="0" algn="just">
                         <a:buNone/>
                       </a:pPr>
                       <a:r>
-                        <a:rPr lang="en-US" sz="1400" b="0" i="0" u="none" strike="noStrike" kern="1200" baseline="0" noProof="0"/>
+                        <a:rPr lang="en-US" sz="1400" b="0" i="0" u="none" strike="noStrike" kern="1200" baseline="0" noProof="0" dirty="0"/>
                         <a:t>Protection</a:t>
                       </a:r>
-                      <a:endParaRPr lang="en-US"/>
+                      <a:endParaRPr lang="en-US" dirty="0"/>
                     </a:p>
                     <a:p>
                       <a:pPr lvl="0" algn="just">
                         <a:buNone/>
                       </a:pPr>
-                      <a:endParaRPr kumimoji="0" lang="en-US" sz="1400" b="0" i="0" u="none" strike="noStrike" kern="1200" baseline="0" noProof="0"/>
+                      <a:endParaRPr kumimoji="0" lang="en-US" sz="1400" b="0" i="0" u="none" strike="noStrike" kern="1200" baseline="0" noProof="0" dirty="0"/>
                     </a:p>
                     <a:p>
                       <a:pPr lvl="0" algn="just">
                         <a:buNone/>
                       </a:pPr>
                       <a:r>
-                        <a:rPr lang="en-US" sz="1400" b="0" i="0" u="none" strike="noStrike" kern="1200" baseline="0" noProof="0">
+                        <a:rPr lang="en-US" sz="1400" b="0" i="0" u="none" strike="noStrike" kern="1200" baseline="0" noProof="0" dirty="0">
                           <a:latin typeface="Calibri"/>
                         </a:rPr>
-                        <a:t>Javier Lacasta, </a:t>
+                        <a:t>Javier </a:t>
                       </a:r>
-                      <a:endParaRPr lang="en-US"/>
+                      <a:r>
+                        <a:rPr lang="en-US" sz="1400" b="0" i="0" u="none" strike="noStrike" kern="1200" baseline="0" noProof="0" dirty="0" err="1">
+                          <a:latin typeface="Calibri"/>
+                        </a:rPr>
+                        <a:t>Lacasta</a:t>
+                      </a:r>
+                      <a:r>
+                        <a:rPr lang="en-US" sz="1400" b="0" i="0" u="none" strike="noStrike" kern="1200" baseline="0" noProof="0" dirty="0">
+                          <a:latin typeface="Calibri"/>
+                        </a:rPr>
+                        <a:t>, </a:t>
+                      </a:r>
+                      <a:endParaRPr lang="en-US" dirty="0"/>
                     </a:p>
                     <a:p>
                       <a:pPr lvl="0" algn="just">
                         <a:buNone/>
                       </a:pPr>
                       <a:r>
-                        <a:rPr lang="en-US" sz="1400" b="0" i="0" u="none" strike="noStrike" kern="1200" baseline="0" noProof="0">
+                        <a:rPr lang="en-US" sz="1400" b="0" i="0" u="none" strike="noStrike" kern="1200" baseline="0" noProof="0" dirty="0">
                           <a:latin typeface="Calibri"/>
                         </a:rPr>
-                        <a:t>F. Javier Lopez-Pellicer</a:t>
+                        <a:t>F. Javier Lopez-</a:t>
                       </a:r>
+                      <a:r>
+                        <a:rPr lang="en-US" sz="1400" b="0" i="0" u="none" strike="noStrike" kern="1200" baseline="0" noProof="0" dirty="0" err="1">
+                          <a:latin typeface="Calibri"/>
+                        </a:rPr>
+                        <a:t>Pellicer</a:t>
+                      </a:r>
+                      <a:endParaRPr lang="en-US" sz="1400" b="0" i="0" u="none" strike="noStrike" kern="1200" baseline="0" noProof="0" dirty="0">
+                        <a:latin typeface="Calibri"/>
+                      </a:endParaRPr>
                     </a:p>
                     <a:p>
                       <a:pPr lvl="0" algn="just">
                         <a:buNone/>
                       </a:pPr>
-                      <a:endParaRPr lang="en-US" sz="1400" b="0" i="0" u="none" strike="noStrike" kern="1200" baseline="0" noProof="0">
+                      <a:endParaRPr lang="en-US" sz="1400" b="0" i="0" u="none" strike="noStrike" kern="1200" baseline="0" noProof="0" dirty="0">
                         <a:latin typeface="Calibri"/>
                       </a:endParaRPr>
                     </a:p>
@@ -33272,7 +33284,7 @@
                         <a:buNone/>
                       </a:pPr>
                       <a:r>
-                        <a:rPr lang="en-US" sz="1400" b="0" i="0" u="none" strike="noStrike" kern="1200" baseline="0" noProof="0"/>
+                        <a:rPr lang="en-US" sz="1400" b="0" i="0" u="none" strike="noStrike" kern="1200" baseline="0" noProof="0" dirty="0"/>
                         <a:t>Aragon Institute of Engineering Research (I3A), Universidad de Zaragoza, Spain</a:t>
                       </a:r>
                       <a:endParaRPr lang="en-US" dirty="0"/>
@@ -33371,7 +33383,7 @@
                       </a:pPr>
                       <a:r>
                         <a:rPr lang="en-US" sz="1400" b="0" i="0" u="none" strike="noStrike" kern="1200" baseline="0" noProof="0" dirty="0"/>
-                        <a:t>Our work would help farmers in sowing the right seed based on soil requirements to increase productivity of the nation. Our future work is aimed at an improved data set with large number of attributes and also implements yield prediction</a:t>
+                        <a:t>In their work would help farmers in sowing the right seed based on soil requirements to increase productivity of the nation. Our future work is aimed at an improved data set with large number of attributes and also implements yield prediction</a:t>
                       </a:r>
                       <a:endParaRPr lang="en-US" dirty="0"/>
                     </a:p>
@@ -33481,7 +33493,7 @@
           <p:nvPr>
             <p:extLst>
               <p:ext uri="{D42A27DB-BD31-4B8C-83A1-F6EECF244321}">
-                <p14:modId xmlns:p14="http://schemas.microsoft.com/office/powerpoint/2010/main" val="1020069504"/>
+                <p14:modId xmlns:p14="http://schemas.microsoft.com/office/powerpoint/2010/main" val="479851166"/>
               </p:ext>
             </p:extLst>
           </p:nvPr>
@@ -33676,10 +33688,10 @@
                         <a:buNone/>
                       </a:pPr>
                       <a:r>
-                        <a:rPr lang="en-US" sz="1400" b="0" i="0" u="none" strike="noStrike" kern="1200" baseline="0" noProof="0"/>
+                        <a:rPr lang="en-US" sz="1400" b="0" i="0" u="none" strike="noStrike" kern="1200" baseline="0" noProof="0" dirty="0"/>
                         <a:t>Recommendation System for Crop</a:t>
                       </a:r>
-                      <a:endParaRPr lang="en-US"/>
+                      <a:endParaRPr lang="en-US" dirty="0"/>
                     </a:p>
                     <a:p>
                       <a:pPr lvl="0" algn="l">
@@ -33695,44 +33707,74 @@
                         <a:buNone/>
                       </a:pPr>
                       <a:r>
-                        <a:rPr lang="en-US" sz="1400" b="0" i="0" u="none" strike="noStrike" kern="1200" baseline="0" noProof="0"/>
+                        <a:rPr lang="en-US" sz="1400" b="0" i="0" u="none" strike="noStrike" kern="1200" baseline="0" noProof="0" dirty="0"/>
                         <a:t>Identification and Pest Control Technique in</a:t>
                       </a:r>
-                      <a:endParaRPr lang="en-US"/>
+                      <a:endParaRPr lang="en-US" dirty="0"/>
                     </a:p>
                     <a:p>
                       <a:pPr lvl="0">
                         <a:buNone/>
                       </a:pPr>
                       <a:r>
-                        <a:rPr lang="en-US" sz="1400" b="0" i="0" u="none" strike="noStrike" kern="1200" baseline="0" noProof="0"/>
+                        <a:rPr lang="en-US" sz="1400" b="0" i="0" u="none" strike="noStrike" kern="1200" baseline="0" noProof="0" dirty="0"/>
                         <a:t>Agriculture</a:t>
                       </a:r>
-                      <a:endParaRPr lang="en-US"/>
+                      <a:endParaRPr lang="en-US" dirty="0"/>
                     </a:p>
                     <a:p>
                       <a:pPr lvl="0">
                         <a:buNone/>
                       </a:pPr>
-                      <a:endParaRPr lang="en-US" sz="1400" b="0" i="0" u="none" strike="noStrike" kern="1200" baseline="0" noProof="0"/>
+                      <a:endParaRPr lang="en-US" sz="1400" b="0" i="0" u="none" strike="noStrike" kern="1200" baseline="0" noProof="0" dirty="0"/>
                     </a:p>
                     <a:p>
                       <a:pPr lvl="0">
                         <a:buNone/>
                       </a:pPr>
                       <a:r>
-                        <a:rPr lang="en-US" sz="1400" b="0" i="0" u="none" strike="noStrike" kern="1200" baseline="0" noProof="0">
+                        <a:rPr lang="en-US" sz="1400" b="0" i="0" u="none" strike="noStrike" kern="1200" baseline="0" noProof="0" dirty="0" err="1">
                           <a:latin typeface="Calibri"/>
                         </a:rPr>
-                        <a:t>Avinash Kumar, Sobhangi Sarkar and Chittaranjan Pradhan</a:t>
+                        <a:t>Avinash</a:t>
                       </a:r>
-                      <a:endParaRPr lang="en-US"/>
+                      <a:r>
+                        <a:rPr lang="en-US" sz="1400" b="0" i="0" u="none" strike="noStrike" kern="1200" baseline="0" noProof="0" dirty="0">
+                          <a:latin typeface="Calibri"/>
+                        </a:rPr>
+                        <a:t> Kumar, </a:t>
+                      </a:r>
+                      <a:r>
+                        <a:rPr lang="en-US" sz="1400" b="0" i="0" u="none" strike="noStrike" kern="1200" baseline="0" noProof="0" dirty="0" err="1">
+                          <a:latin typeface="Calibri"/>
+                        </a:rPr>
+                        <a:t>Sobhangi</a:t>
+                      </a:r>
+                      <a:r>
+                        <a:rPr lang="en-US" sz="1400" b="0" i="0" u="none" strike="noStrike" kern="1200" baseline="0" noProof="0" dirty="0">
+                          <a:latin typeface="Calibri"/>
+                        </a:rPr>
+                        <a:t> Sarkar and </a:t>
+                      </a:r>
+                      <a:r>
+                        <a:rPr lang="en-US" sz="1400" b="0" i="0" u="none" strike="noStrike" kern="1200" baseline="0" noProof="0" dirty="0" err="1">
+                          <a:latin typeface="Calibri"/>
+                        </a:rPr>
+                        <a:t>Chittaranjan</a:t>
+                      </a:r>
+                      <a:r>
+                        <a:rPr lang="en-US" sz="1400" b="0" i="0" u="none" strike="noStrike" kern="1200" baseline="0" noProof="0" dirty="0">
+                          <a:latin typeface="Calibri"/>
+                        </a:rPr>
+                        <a:t> Pradhan</a:t>
+                      </a:r>
+                      <a:endParaRPr lang="en-US" dirty="0"/>
                     </a:p>
                     <a:p>
                       <a:pPr lvl="0">
                         <a:buNone/>
                       </a:pPr>
-                      <a:endParaRPr lang="en-US" sz="1400" b="0" i="0" u="none" strike="noStrike" kern="1200" baseline="0" noProof="0">
+                      <a:endParaRPr lang="en-US" sz="1400" b="0" i="0" u="none" strike="noStrike" kern="1200" baseline="0" noProof="0" dirty="0">
                         <a:latin typeface="Calibri"/>
                       </a:endParaRPr>
                     </a:p>
@@ -33750,14 +33792,24 @@
                         <a:buNone/>
                       </a:pPr>
                       <a:r>
-                        <a:rPr lang="en-US" sz="1400" b="0" i="0" u="none" strike="noStrike" kern="1200" baseline="0" noProof="0"/>
-                        <a:t> IEEE International Conference on Computation</a:t>
+                        <a:rPr lang="en-US" sz="1400" b="0" i="0" u="none" strike="noStrike" kern="1200" baseline="0" noProof="0" dirty="0"/>
+                        <a:t> IEEE International Conference on </a:t>
                       </a:r>
                       <a:r>
-                        <a:rPr lang="en-US" sz="1400" b="0" i="0" u="none" strike="noStrike" kern="1200" baseline="0" noProof="0">
+                        <a:rPr lang="en-US" sz="1400" b="0" i="0" u="none" strike="noStrike" kern="1200" baseline="0" noProof="0" dirty="0" err="1"/>
+                        <a:t>Computation</a:t>
+                      </a:r>
+                      <a:r>
+                        <a:rPr lang="en-US" sz="1400" b="0" i="0" u="none" strike="noStrike" kern="1200" baseline="0" noProof="0" dirty="0" err="1">
                           <a:latin typeface="Calibri"/>
                         </a:rPr>
-                        <a:t>of Power</a:t>
+                        <a:t>of</a:t>
+                      </a:r>
+                      <a:r>
+                        <a:rPr lang="en-US" sz="1400" b="0" i="0" u="none" strike="noStrike" kern="1200" baseline="0" noProof="0" dirty="0">
+                          <a:latin typeface="Calibri"/>
+                        </a:rPr>
+                        <a:t> Power</a:t>
                       </a:r>
                     </a:p>
                   </a:txBody>
@@ -33889,7 +33941,7 @@
                       </a:pPr>
                       <a:r>
                         <a:rPr lang="en-US" sz="1400" b="0" i="0" u="none" strike="noStrike" kern="1200" baseline="0" noProof="0" dirty="0"/>
-                        <a:t>Our model is designed by using Spyder IDE (ANACONDA</a:t>
+                        <a:t>In their model is designed by using Spyder IDE (ANACONDA</a:t>
                       </a:r>
                       <a:endParaRPr lang="en-US" dirty="0"/>
                     </a:p>
@@ -34155,7 +34207,7 @@
                         <a:rPr lang="en-US" sz="1400" b="0" i="0" u="none" strike="noStrike" kern="1200" baseline="0" noProof="0" dirty="0"/>
                         <a:t>The paper proposes the use of data mining techniques to</a:t>
                       </a:r>
-                      <a:endParaRPr lang="en-US"/>
+                      <a:endParaRPr lang="en-US" dirty="0"/>
                     </a:p>
                     <a:p>
                       <a:pPr lvl="0" algn="l">
@@ -34174,7 +34226,7 @@
                         <a:rPr lang="en-US" sz="1400" b="0" i="0" u="none" strike="noStrike" kern="1200" baseline="0" noProof="0" dirty="0"/>
                         <a:t>provide recommendations to farmers for crops, crop rotation</a:t>
                       </a:r>
-                      <a:endParaRPr lang="en-US"/>
+                      <a:endParaRPr lang="en-US" dirty="0"/>
                     </a:p>
                     <a:p>
                       <a:pPr lvl="0">
@@ -34968,22 +35020,6 @@
             </a:r>
           </a:p>
           <a:p>
-            <a:pPr marL="342900" indent="-228600">
-              <a:lnSpc>
-                <a:spcPct val="90000"/>
-              </a:lnSpc>
-              <a:spcAft>
-                <a:spcPts val="600"/>
-              </a:spcAft>
-              <a:buFont typeface="Arial" panose="020B0604020202020204" pitchFamily="34" charset="0"/>
-              <a:buChar char="•"/>
-            </a:pPr>
-            <a:r>
-              <a:rPr lang="en-US" sz="1900" dirty="0"/>
-              <a:t>Windows 10</a:t>
-            </a:r>
-          </a:p>
-          <a:p>
             <a:pPr indent="-228600">
               <a:lnSpc>
                 <a:spcPct val="90000"/>
